--- a/LED_Driver/LED Driver Design.pptx
+++ b/LED_Driver/LED Driver Design.pptx
@@ -108,6 +108,11 @@
       </a:defRPr>
     </a:lvl9pPr>
   </p:defaultTextStyle>
+  <p:extLst>
+    <p:ext uri="{EFAFB233-063F-42B5-8137-9DF3F51BA10A}">
+      <p15:sldGuideLst xmlns:p15="http://schemas.microsoft.com/office/powerpoint/2012/main"/>
+    </p:ext>
+  </p:extLst>
 </p:presentation>
 </file>
 
@@ -2989,11 +2994,7 @@
             </a:r>
             <a:r>
               <a:rPr lang="en-AU" sz="4000" dirty="0" smtClean="0"/>
-              <a:t>(</a:t>
-            </a:r>
-            <a:r>
-              <a:rPr lang="en-AU" sz="4000" dirty="0" smtClean="0"/>
-              <a:t>Buck Converter</a:t>
+              <a:t>(Buck Converter</a:t>
             </a:r>
             <a:r>
               <a:rPr lang="en-AU" sz="4000" dirty="0"/>
@@ -3179,7 +3180,7 @@
       </p:sp>
       <p:pic>
         <p:nvPicPr>
-          <p:cNvPr id="4" name="Content Placeholder 3"/>
+          <p:cNvPr id="6" name="Content Placeholder 5"/>
           <p:cNvPicPr>
             <a:picLocks noGrp="1" noChangeAspect="1"/>
           </p:cNvPicPr>
@@ -3195,8 +3196,8 @@
         </p:blipFill>
         <p:spPr>
           <a:xfrm>
-            <a:off x="2725691" y="1825625"/>
-            <a:ext cx="6740618" cy="4351338"/>
+            <a:off x="2816380" y="1825625"/>
+            <a:ext cx="6559239" cy="4351338"/>
           </a:xfrm>
           <a:prstGeom prst="rect">
             <a:avLst/>
